--- a/Documentation/Layouts/SimulatorLayoutNumbers.pptx
+++ b/Documentation/Layouts/SimulatorLayoutNumbers.pptx
@@ -290,7 +290,7 @@
             <a:fld id="{F5BF3120-0EED-4B2E-B277-FBCB29970201}" type="datetimeFigureOut">
               <a:rPr lang="en-US" smtClean="0"/>
               <a:pPr/>
-              <a:t>12/14/2011</a:t>
+              <a:t>7/24/2012</a:t>
             </a:fld>
             <a:endParaRPr lang="en-US"/>
           </a:p>
@@ -457,7 +457,7 @@
             <a:fld id="{F5BF3120-0EED-4B2E-B277-FBCB29970201}" type="datetimeFigureOut">
               <a:rPr lang="en-US" smtClean="0"/>
               <a:pPr/>
-              <a:t>12/14/2011</a:t>
+              <a:t>7/24/2012</a:t>
             </a:fld>
             <a:endParaRPr lang="en-US"/>
           </a:p>
@@ -634,7 +634,7 @@
             <a:fld id="{F5BF3120-0EED-4B2E-B277-FBCB29970201}" type="datetimeFigureOut">
               <a:rPr lang="en-US" smtClean="0"/>
               <a:pPr/>
-              <a:t>12/14/2011</a:t>
+              <a:t>7/24/2012</a:t>
             </a:fld>
             <a:endParaRPr lang="en-US"/>
           </a:p>
@@ -801,7 +801,7 @@
             <a:fld id="{F5BF3120-0EED-4B2E-B277-FBCB29970201}" type="datetimeFigureOut">
               <a:rPr lang="en-US" smtClean="0"/>
               <a:pPr/>
-              <a:t>12/14/2011</a:t>
+              <a:t>7/24/2012</a:t>
             </a:fld>
             <a:endParaRPr lang="en-US"/>
           </a:p>
@@ -1044,7 +1044,7 @@
             <a:fld id="{F5BF3120-0EED-4B2E-B277-FBCB29970201}" type="datetimeFigureOut">
               <a:rPr lang="en-US" smtClean="0"/>
               <a:pPr/>
-              <a:t>12/14/2011</a:t>
+              <a:t>7/24/2012</a:t>
             </a:fld>
             <a:endParaRPr lang="en-US"/>
           </a:p>
@@ -1329,7 +1329,7 @@
             <a:fld id="{F5BF3120-0EED-4B2E-B277-FBCB29970201}" type="datetimeFigureOut">
               <a:rPr lang="en-US" smtClean="0"/>
               <a:pPr/>
-              <a:t>12/14/2011</a:t>
+              <a:t>7/24/2012</a:t>
             </a:fld>
             <a:endParaRPr lang="en-US"/>
           </a:p>
@@ -1748,7 +1748,7 @@
             <a:fld id="{F5BF3120-0EED-4B2E-B277-FBCB29970201}" type="datetimeFigureOut">
               <a:rPr lang="en-US" smtClean="0"/>
               <a:pPr/>
-              <a:t>12/14/2011</a:t>
+              <a:t>7/24/2012</a:t>
             </a:fld>
             <a:endParaRPr lang="en-US"/>
           </a:p>
@@ -1863,7 +1863,7 @@
             <a:fld id="{F5BF3120-0EED-4B2E-B277-FBCB29970201}" type="datetimeFigureOut">
               <a:rPr lang="en-US" smtClean="0"/>
               <a:pPr/>
-              <a:t>12/14/2011</a:t>
+              <a:t>7/24/2012</a:t>
             </a:fld>
             <a:endParaRPr lang="en-US"/>
           </a:p>
@@ -1955,7 +1955,7 @@
             <a:fld id="{F5BF3120-0EED-4B2E-B277-FBCB29970201}" type="datetimeFigureOut">
               <a:rPr lang="en-US" smtClean="0"/>
               <a:pPr/>
-              <a:t>12/14/2011</a:t>
+              <a:t>7/24/2012</a:t>
             </a:fld>
             <a:endParaRPr lang="en-US"/>
           </a:p>
@@ -2229,7 +2229,7 @@
             <a:fld id="{F5BF3120-0EED-4B2E-B277-FBCB29970201}" type="datetimeFigureOut">
               <a:rPr lang="en-US" smtClean="0"/>
               <a:pPr/>
-              <a:t>12/14/2011</a:t>
+              <a:t>7/24/2012</a:t>
             </a:fld>
             <a:endParaRPr lang="en-US"/>
           </a:p>
@@ -2479,7 +2479,7 @@
             <a:fld id="{F5BF3120-0EED-4B2E-B277-FBCB29970201}" type="datetimeFigureOut">
               <a:rPr lang="en-US" smtClean="0"/>
               <a:pPr/>
-              <a:t>12/14/2011</a:t>
+              <a:t>7/24/2012</a:t>
             </a:fld>
             <a:endParaRPr lang="en-US"/>
           </a:p>
@@ -2689,7 +2689,7 @@
             <a:fld id="{F5BF3120-0EED-4B2E-B277-FBCB29970201}" type="datetimeFigureOut">
               <a:rPr lang="en-US" smtClean="0"/>
               <a:pPr/>
-              <a:t>12/14/2011</a:t>
+              <a:t>7/24/2012</a:t>
             </a:fld>
             <a:endParaRPr lang="en-US"/>
           </a:p>
@@ -8257,7 +8257,7 @@
         </p:nvSpPr>
         <p:spPr>
           <a:xfrm>
-            <a:off x="525247" y="1232112"/>
+            <a:off x="525247" y="1294258"/>
             <a:ext cx="246221" cy="123111"/>
           </a:xfrm>
           <a:prstGeom prst="rect">
@@ -8301,7 +8301,7 @@
         </p:nvSpPr>
         <p:spPr>
           <a:xfrm>
-            <a:off x="765333" y="1734278"/>
+            <a:off x="791967" y="1778668"/>
             <a:ext cx="246221" cy="123111"/>
           </a:xfrm>
           <a:prstGeom prst="rect">
@@ -8345,7 +8345,7 @@
         </p:nvSpPr>
         <p:spPr>
           <a:xfrm>
-            <a:off x="917845" y="2404576"/>
+            <a:off x="944479" y="2440088"/>
             <a:ext cx="246221" cy="123111"/>
           </a:xfrm>
           <a:prstGeom prst="rect">
@@ -8389,7 +8389,7 @@
         </p:nvSpPr>
         <p:spPr>
           <a:xfrm>
-            <a:off x="513812" y="2329086"/>
+            <a:off x="282984" y="2275818"/>
             <a:ext cx="246221" cy="123111"/>
           </a:xfrm>
           <a:prstGeom prst="rect">
@@ -8433,7 +8433,7 @@
         </p:nvSpPr>
         <p:spPr>
           <a:xfrm>
-            <a:off x="765333" y="2616105"/>
+            <a:off x="783089" y="2642739"/>
             <a:ext cx="246221" cy="123111"/>
           </a:xfrm>
           <a:prstGeom prst="rect">
@@ -8477,7 +8477,7 @@
         </p:nvSpPr>
         <p:spPr>
           <a:xfrm>
-            <a:off x="480132" y="3034806"/>
+            <a:off x="284816" y="2990416"/>
             <a:ext cx="246221" cy="123111"/>
           </a:xfrm>
           <a:prstGeom prst="rect">
@@ -8521,7 +8521,51 @@
         </p:nvSpPr>
         <p:spPr>
           <a:xfrm>
-            <a:off x="741480" y="3278005"/>
+            <a:off x="785870" y="3233615"/>
+            <a:ext cx="297517" cy="123111"/>
+          </a:xfrm>
+          <a:prstGeom prst="rect">
+            <a:avLst/>
+          </a:prstGeom>
+          <a:ln/>
+        </p:spPr>
+        <p:style>
+          <a:lnRef idx="1">
+            <a:schemeClr val="accent6"/>
+          </a:lnRef>
+          <a:fillRef idx="3">
+            <a:schemeClr val="accent6"/>
+          </a:fillRef>
+          <a:effectRef idx="2">
+            <a:schemeClr val="accent6"/>
+          </a:effectRef>
+          <a:fontRef idx="minor">
+            <a:schemeClr val="lt1"/>
+          </a:fontRef>
+        </p:style>
+        <p:txBody>
+          <a:bodyPr wrap="none" lIns="45720" tIns="0" rIns="45720" bIns="0" rtlCol="0">
+            <a:spAutoFit/>
+          </a:bodyPr>
+          <a:lstStyle/>
+          <a:p>
+            <a:r>
+              <a:rPr lang="en-US" sz="800" smtClean="0"/>
+              <a:t>1180</a:t>
+            </a:r>
+            <a:endParaRPr lang="en-US" sz="800"/>
+          </a:p>
+        </p:txBody>
+      </p:sp>
+      <p:sp>
+        <p:nvSpPr>
+          <p:cNvPr id="241" name="TextBox 240"/>
+          <p:cNvSpPr txBox="1"/>
+          <p:nvPr/>
+        </p:nvSpPr>
+        <p:spPr>
+          <a:xfrm>
+            <a:off x="894394" y="3879581"/>
             <a:ext cx="246221" cy="123111"/>
           </a:xfrm>
           <a:prstGeom prst="rect">
@@ -8551,7 +8595,7 @@
           <a:p>
             <a:r>
               <a:rPr lang="en-US" sz="800" smtClean="0"/>
-              <a:t>118</a:t>
+              <a:t>161</a:t>
             </a:r>
             <a:endParaRPr lang="en-US" sz="800"/>
           </a:p>
@@ -8559,13 +8603,13 @@
       </p:sp>
       <p:sp>
         <p:nvSpPr>
-          <p:cNvPr id="241" name="TextBox 240"/>
+          <p:cNvPr id="242" name="TextBox 241"/>
           <p:cNvSpPr txBox="1"/>
           <p:nvPr/>
         </p:nvSpPr>
         <p:spPr>
           <a:xfrm>
-            <a:off x="876638" y="3844069"/>
+            <a:off x="405568" y="3898811"/>
             <a:ext cx="246221" cy="123111"/>
           </a:xfrm>
           <a:prstGeom prst="rect">
@@ -8595,7 +8639,7 @@
           <a:p>
             <a:r>
               <a:rPr lang="en-US" sz="800" smtClean="0"/>
-              <a:t>161</a:t>
+              <a:t>162</a:t>
             </a:r>
             <a:endParaRPr lang="en-US" sz="800"/>
           </a:p>
@@ -8603,13 +8647,13 @@
       </p:sp>
       <p:sp>
         <p:nvSpPr>
-          <p:cNvPr id="242" name="TextBox 241"/>
+          <p:cNvPr id="243" name="TextBox 242"/>
           <p:cNvSpPr txBox="1"/>
           <p:nvPr/>
         </p:nvSpPr>
         <p:spPr>
           <a:xfrm>
-            <a:off x="467714" y="3863299"/>
+            <a:off x="809723" y="4485423"/>
             <a:ext cx="246221" cy="123111"/>
           </a:xfrm>
           <a:prstGeom prst="rect">
@@ -8639,50 +8683,6 @@
           <a:p>
             <a:r>
               <a:rPr lang="en-US" sz="800" smtClean="0"/>
-              <a:t>162</a:t>
-            </a:r>
-            <a:endParaRPr lang="en-US" sz="800"/>
-          </a:p>
-        </p:txBody>
-      </p:sp>
-      <p:sp>
-        <p:nvSpPr>
-          <p:cNvPr id="243" name="TextBox 242"/>
-          <p:cNvSpPr txBox="1"/>
-          <p:nvPr/>
-        </p:nvSpPr>
-        <p:spPr>
-          <a:xfrm>
-            <a:off x="765333" y="4467667"/>
-            <a:ext cx="246221" cy="123111"/>
-          </a:xfrm>
-          <a:prstGeom prst="rect">
-            <a:avLst/>
-          </a:prstGeom>
-          <a:ln/>
-        </p:spPr>
-        <p:style>
-          <a:lnRef idx="1">
-            <a:schemeClr val="accent6"/>
-          </a:lnRef>
-          <a:fillRef idx="3">
-            <a:schemeClr val="accent6"/>
-          </a:fillRef>
-          <a:effectRef idx="2">
-            <a:schemeClr val="accent6"/>
-          </a:effectRef>
-          <a:fontRef idx="minor">
-            <a:schemeClr val="lt1"/>
-          </a:fontRef>
-        </p:style>
-        <p:txBody>
-          <a:bodyPr wrap="none" lIns="45720" tIns="0" rIns="45720" bIns="0" rtlCol="0">
-            <a:spAutoFit/>
-          </a:bodyPr>
-          <a:lstStyle/>
-          <a:p>
-            <a:r>
-              <a:rPr lang="en-US" sz="800" smtClean="0"/>
               <a:t>163</a:t>
             </a:r>
             <a:endParaRPr lang="en-US" sz="800"/>
@@ -8697,7 +8697,7 @@
         </p:nvSpPr>
         <p:spPr>
           <a:xfrm>
-            <a:off x="500947" y="4957637"/>
+            <a:off x="500947" y="4975393"/>
             <a:ext cx="246221" cy="123111"/>
           </a:xfrm>
           <a:prstGeom prst="rect">
@@ -8785,7 +8785,7 @@
         </p:nvSpPr>
         <p:spPr>
           <a:xfrm>
-            <a:off x="1533599" y="6412631"/>
+            <a:off x="1533599" y="6474777"/>
             <a:ext cx="246221" cy="123111"/>
           </a:xfrm>
           <a:prstGeom prst="rect">
@@ -8829,7 +8829,7 @@
         </p:nvSpPr>
         <p:spPr>
           <a:xfrm>
-            <a:off x="1618760" y="2492484"/>
+            <a:off x="1634662" y="2516337"/>
             <a:ext cx="246221" cy="123111"/>
           </a:xfrm>
           <a:prstGeom prst="rect">
@@ -8873,7 +8873,7 @@
         </p:nvSpPr>
         <p:spPr>
           <a:xfrm>
-            <a:off x="4327424" y="808497"/>
+            <a:off x="4522740" y="772985"/>
             <a:ext cx="246221" cy="123111"/>
           </a:xfrm>
           <a:prstGeom prst="rect">
@@ -8961,7 +8961,7 @@
         </p:nvSpPr>
         <p:spPr>
           <a:xfrm>
-            <a:off x="3945574" y="1077715"/>
+            <a:off x="3954452" y="1122105"/>
             <a:ext cx="246221" cy="123111"/>
           </a:xfrm>
           <a:prstGeom prst="rect">
@@ -9049,7 +9049,7 @@
         </p:nvSpPr>
         <p:spPr>
           <a:xfrm>
-            <a:off x="3596689" y="819485"/>
+            <a:off x="3401373" y="819485"/>
             <a:ext cx="246221" cy="123111"/>
           </a:xfrm>
           <a:prstGeom prst="rect">
@@ -9137,7 +9137,7 @@
         </p:nvSpPr>
         <p:spPr>
           <a:xfrm>
-            <a:off x="2522564" y="618945"/>
+            <a:off x="2522564" y="636701"/>
             <a:ext cx="246221" cy="123111"/>
           </a:xfrm>
           <a:prstGeom prst="rect">
@@ -9181,7 +9181,7 @@
         </p:nvSpPr>
         <p:spPr>
           <a:xfrm>
-            <a:off x="2533552" y="934865"/>
+            <a:off x="2533552" y="1014767"/>
             <a:ext cx="246221" cy="123111"/>
           </a:xfrm>
           <a:prstGeom prst="rect">
@@ -9225,7 +9225,7 @@
         </p:nvSpPr>
         <p:spPr>
           <a:xfrm>
-            <a:off x="1860507" y="1283749"/>
+            <a:off x="1984799" y="1239359"/>
             <a:ext cx="246221" cy="123111"/>
           </a:xfrm>
           <a:prstGeom prst="rect">
@@ -9269,7 +9269,7 @@
         </p:nvSpPr>
         <p:spPr>
           <a:xfrm>
-            <a:off x="1657219" y="1039255"/>
+            <a:off x="1586195" y="1083645"/>
             <a:ext cx="246221" cy="123111"/>
           </a:xfrm>
           <a:prstGeom prst="rect">
@@ -9313,7 +9313,7 @@
         </p:nvSpPr>
         <p:spPr>
           <a:xfrm>
-            <a:off x="1948415" y="827727"/>
+            <a:off x="1770855" y="783337"/>
             <a:ext cx="246221" cy="123111"/>
           </a:xfrm>
           <a:prstGeom prst="rect">
@@ -9445,7 +9445,7 @@
         </p:nvSpPr>
         <p:spPr>
           <a:xfrm>
-            <a:off x="2187414" y="3217725"/>
+            <a:off x="2356096" y="3146701"/>
             <a:ext cx="246221" cy="123111"/>
           </a:xfrm>
           <a:prstGeom prst="rect">
@@ -9489,7 +9489,7 @@
         </p:nvSpPr>
         <p:spPr>
           <a:xfrm>
-            <a:off x="1720403" y="2932024"/>
+            <a:off x="1720403" y="3011534"/>
             <a:ext cx="246221" cy="123111"/>
           </a:xfrm>
           <a:prstGeom prst="rect">
@@ -9533,7 +9533,7 @@
         </p:nvSpPr>
         <p:spPr>
           <a:xfrm>
-            <a:off x="1311082" y="2605116"/>
+            <a:off x="1247474" y="2652822"/>
             <a:ext cx="246221" cy="123111"/>
           </a:xfrm>
           <a:prstGeom prst="rect">
@@ -9577,7 +9577,7 @@
         </p:nvSpPr>
         <p:spPr>
           <a:xfrm>
-            <a:off x="7722870" y="1525496"/>
+            <a:off x="7675164" y="1557300"/>
             <a:ext cx="246221" cy="123111"/>
           </a:xfrm>
           <a:prstGeom prst="rect">
@@ -9621,7 +9621,7 @@
         </p:nvSpPr>
         <p:spPr>
           <a:xfrm>
-            <a:off x="7775066" y="951347"/>
+            <a:off x="7743262" y="951347"/>
             <a:ext cx="246221" cy="123111"/>
           </a:xfrm>
           <a:prstGeom prst="rect">
@@ -9665,7 +9665,7 @@
         </p:nvSpPr>
         <p:spPr>
           <a:xfrm>
-            <a:off x="7308984" y="583233"/>
+            <a:off x="7261278" y="583233"/>
             <a:ext cx="246221" cy="123111"/>
           </a:xfrm>
           <a:prstGeom prst="rect">
@@ -9753,7 +9753,7 @@
         </p:nvSpPr>
         <p:spPr>
           <a:xfrm>
-            <a:off x="6258653" y="1157382"/>
+            <a:off x="6258653" y="1220990"/>
             <a:ext cx="246221" cy="123111"/>
           </a:xfrm>
           <a:prstGeom prst="rect">
@@ -9797,7 +9797,7 @@
         </p:nvSpPr>
         <p:spPr>
           <a:xfrm>
-            <a:off x="6104814" y="937612"/>
+            <a:off x="6096863" y="1001220"/>
             <a:ext cx="246221" cy="123111"/>
           </a:xfrm>
           <a:prstGeom prst="rect">
@@ -9841,7 +9841,7 @@
         </p:nvSpPr>
         <p:spPr>
           <a:xfrm>
-            <a:off x="5959216" y="833221"/>
+            <a:off x="5903559" y="833221"/>
             <a:ext cx="246221" cy="123111"/>
           </a:xfrm>
           <a:prstGeom prst="rect">
@@ -9885,7 +9885,7 @@
         </p:nvSpPr>
         <p:spPr>
           <a:xfrm>
-            <a:off x="6283377" y="704106"/>
+            <a:off x="6307230" y="704106"/>
             <a:ext cx="246221" cy="123111"/>
           </a:xfrm>
           <a:prstGeom prst="rect">
@@ -9929,7 +9929,7 @@
         </p:nvSpPr>
         <p:spPr>
           <a:xfrm>
-            <a:off x="5890538" y="583233"/>
+            <a:off x="5874636" y="583233"/>
             <a:ext cx="246221" cy="123111"/>
           </a:xfrm>
           <a:prstGeom prst="rect">
@@ -9973,7 +9973,7 @@
         </p:nvSpPr>
         <p:spPr>
           <a:xfrm>
-            <a:off x="6700940" y="3602323"/>
+            <a:off x="6732744" y="3618225"/>
             <a:ext cx="246221" cy="123111"/>
           </a:xfrm>
           <a:prstGeom prst="rect">
@@ -10017,7 +10017,7 @@
         </p:nvSpPr>
         <p:spPr>
           <a:xfrm>
-            <a:off x="6711928" y="2904553"/>
+            <a:off x="6735781" y="2928406"/>
             <a:ext cx="246221" cy="123111"/>
           </a:xfrm>
           <a:prstGeom prst="rect">
@@ -10061,7 +10061,7 @@
         </p:nvSpPr>
         <p:spPr>
           <a:xfrm>
-            <a:off x="5831576" y="2050778"/>
+            <a:off x="5903135" y="2122337"/>
             <a:ext cx="246221" cy="123111"/>
           </a:xfrm>
           <a:prstGeom prst="rect">
@@ -10149,7 +10149,7 @@
         </p:nvSpPr>
         <p:spPr>
           <a:xfrm>
-            <a:off x="5541653" y="1643623"/>
+            <a:off x="5573457" y="1691329"/>
             <a:ext cx="246221" cy="123111"/>
           </a:xfrm>
           <a:prstGeom prst="rect">
@@ -10193,7 +10193,7 @@
         </p:nvSpPr>
         <p:spPr>
           <a:xfrm>
-            <a:off x="5305401" y="1440336"/>
+            <a:off x="5313352" y="1472140"/>
             <a:ext cx="246221" cy="123111"/>
           </a:xfrm>
           <a:prstGeom prst="rect">
@@ -10237,7 +10237,7 @@
         </p:nvSpPr>
         <p:spPr>
           <a:xfrm>
-            <a:off x="6766871" y="1583186"/>
+            <a:off x="6766871" y="1614990"/>
             <a:ext cx="246221" cy="123111"/>
           </a:xfrm>
           <a:prstGeom prst="rect">
@@ -10281,7 +10281,7 @@
         </p:nvSpPr>
         <p:spPr>
           <a:xfrm>
-            <a:off x="7684411" y="2352381"/>
+            <a:off x="7636705" y="2392136"/>
             <a:ext cx="246221" cy="123111"/>
           </a:xfrm>
           <a:prstGeom prst="rect">
@@ -10325,7 +10325,7 @@
         </p:nvSpPr>
         <p:spPr>
           <a:xfrm>
-            <a:off x="7992088" y="3492438"/>
+            <a:off x="7960284" y="3508340"/>
             <a:ext cx="246221" cy="123111"/>
           </a:xfrm>
           <a:prstGeom prst="rect">
@@ -10369,7 +10369,7 @@
         </p:nvSpPr>
         <p:spPr>
           <a:xfrm>
-            <a:off x="8382180" y="3388047"/>
+            <a:off x="8398082" y="3427802"/>
             <a:ext cx="246221" cy="123111"/>
           </a:xfrm>
           <a:prstGeom prst="rect">
@@ -10413,7 +10413,7 @@
         </p:nvSpPr>
         <p:spPr>
           <a:xfrm>
-            <a:off x="8459100" y="2747967"/>
+            <a:off x="8530659" y="2803624"/>
             <a:ext cx="246221" cy="123111"/>
           </a:xfrm>
           <a:prstGeom prst="rect">
@@ -10457,7 +10457,7 @@
         </p:nvSpPr>
         <p:spPr>
           <a:xfrm>
-            <a:off x="8066261" y="2388094"/>
+            <a:off x="8042408" y="2427849"/>
             <a:ext cx="246221" cy="123111"/>
           </a:xfrm>
           <a:prstGeom prst="rect">
@@ -10501,7 +10501,7 @@
         </p:nvSpPr>
         <p:spPr>
           <a:xfrm>
-            <a:off x="8464594" y="2077668"/>
+            <a:off x="8512300" y="2117423"/>
             <a:ext cx="246221" cy="123111"/>
           </a:xfrm>
           <a:prstGeom prst="rect">
@@ -10545,7 +10545,7 @@
         </p:nvSpPr>
         <p:spPr>
           <a:xfrm>
-            <a:off x="8071755" y="1577692"/>
+            <a:off x="8381844" y="1601545"/>
             <a:ext cx="246221" cy="123111"/>
           </a:xfrm>
           <a:prstGeom prst="rect">
@@ -10589,7 +10589,7 @@
         </p:nvSpPr>
         <p:spPr>
           <a:xfrm>
-            <a:off x="4113149" y="2283703"/>
+            <a:off x="4113149" y="2371164"/>
             <a:ext cx="246221" cy="123111"/>
           </a:xfrm>
           <a:prstGeom prst="rect">
@@ -10633,7 +10633,7 @@
         </p:nvSpPr>
         <p:spPr>
           <a:xfrm>
-            <a:off x="3349448" y="2335898"/>
+            <a:off x="3376082" y="2335898"/>
             <a:ext cx="246221" cy="123111"/>
           </a:xfrm>
           <a:prstGeom prst="rect">
@@ -10765,7 +10765,7 @@
         </p:nvSpPr>
         <p:spPr>
           <a:xfrm>
-            <a:off x="3448345" y="1404623"/>
+            <a:off x="3403955" y="1404623"/>
             <a:ext cx="246221" cy="123111"/>
           </a:xfrm>
           <a:prstGeom prst="rect">
@@ -10853,7 +10853,7 @@
         </p:nvSpPr>
         <p:spPr>
           <a:xfrm>
-            <a:off x="2934632" y="2646323"/>
+            <a:off x="2952388" y="2664079"/>
             <a:ext cx="246221" cy="123111"/>
           </a:xfrm>
           <a:prstGeom prst="rect">
@@ -10897,7 +10897,7 @@
         </p:nvSpPr>
         <p:spPr>
           <a:xfrm>
-            <a:off x="2492345" y="2533691"/>
+            <a:off x="2447955" y="2533691"/>
             <a:ext cx="246221" cy="123111"/>
           </a:xfrm>
           <a:prstGeom prst="rect">
@@ -10941,7 +10941,183 @@
         </p:nvSpPr>
         <p:spPr>
           <a:xfrm>
-            <a:off x="2847328" y="4761609"/>
+            <a:off x="3357074" y="4787009"/>
+            <a:ext cx="143629" cy="123111"/>
+          </a:xfrm>
+          <a:prstGeom prst="rect">
+            <a:avLst/>
+          </a:prstGeom>
+          <a:ln/>
+        </p:spPr>
+        <p:style>
+          <a:lnRef idx="1">
+            <a:schemeClr val="accent6"/>
+          </a:lnRef>
+          <a:fillRef idx="3">
+            <a:schemeClr val="accent6"/>
+          </a:fillRef>
+          <a:effectRef idx="2">
+            <a:schemeClr val="accent6"/>
+          </a:effectRef>
+          <a:fontRef idx="minor">
+            <a:schemeClr val="lt1"/>
+          </a:fontRef>
+        </p:style>
+        <p:txBody>
+          <a:bodyPr wrap="none" lIns="45720" tIns="0" rIns="45720" bIns="0" rtlCol="0">
+            <a:spAutoFit/>
+          </a:bodyPr>
+          <a:lstStyle/>
+          <a:p>
+            <a:r>
+              <a:rPr lang="en-US" sz="800" smtClean="0"/>
+              <a:t>8</a:t>
+            </a:r>
+            <a:endParaRPr lang="en-US" sz="800"/>
+          </a:p>
+        </p:txBody>
+      </p:sp>
+      <p:sp>
+        <p:nvSpPr>
+          <p:cNvPr id="296" name="TextBox 295"/>
+          <p:cNvSpPr txBox="1"/>
+          <p:nvPr/>
+        </p:nvSpPr>
+        <p:spPr>
+          <a:xfrm>
+            <a:off x="3357074" y="4600205"/>
+            <a:ext cx="143629" cy="123111"/>
+          </a:xfrm>
+          <a:prstGeom prst="rect">
+            <a:avLst/>
+          </a:prstGeom>
+          <a:ln/>
+        </p:spPr>
+        <p:style>
+          <a:lnRef idx="1">
+            <a:schemeClr val="accent6"/>
+          </a:lnRef>
+          <a:fillRef idx="3">
+            <a:schemeClr val="accent6"/>
+          </a:fillRef>
+          <a:effectRef idx="2">
+            <a:schemeClr val="accent6"/>
+          </a:effectRef>
+          <a:fontRef idx="minor">
+            <a:schemeClr val="lt1"/>
+          </a:fontRef>
+        </p:style>
+        <p:txBody>
+          <a:bodyPr wrap="none" lIns="45720" tIns="0" rIns="45720" bIns="0" rtlCol="0">
+            <a:spAutoFit/>
+          </a:bodyPr>
+          <a:lstStyle/>
+          <a:p>
+            <a:r>
+              <a:rPr lang="en-US" sz="800" smtClean="0"/>
+              <a:t>6</a:t>
+            </a:r>
+            <a:endParaRPr lang="en-US" sz="800"/>
+          </a:p>
+        </p:txBody>
+      </p:sp>
+      <p:sp>
+        <p:nvSpPr>
+          <p:cNvPr id="297" name="TextBox 296"/>
+          <p:cNvSpPr txBox="1"/>
+          <p:nvPr/>
+        </p:nvSpPr>
+        <p:spPr>
+          <a:xfrm>
+            <a:off x="3357074" y="4347469"/>
+            <a:ext cx="143629" cy="123111"/>
+          </a:xfrm>
+          <a:prstGeom prst="rect">
+            <a:avLst/>
+          </a:prstGeom>
+          <a:ln/>
+        </p:spPr>
+        <p:style>
+          <a:lnRef idx="1">
+            <a:schemeClr val="accent6"/>
+          </a:lnRef>
+          <a:fillRef idx="3">
+            <a:schemeClr val="accent6"/>
+          </a:fillRef>
+          <a:effectRef idx="2">
+            <a:schemeClr val="accent6"/>
+          </a:effectRef>
+          <a:fontRef idx="minor">
+            <a:schemeClr val="lt1"/>
+          </a:fontRef>
+        </p:style>
+        <p:txBody>
+          <a:bodyPr wrap="none" lIns="45720" tIns="0" rIns="45720" bIns="0" rtlCol="0">
+            <a:spAutoFit/>
+          </a:bodyPr>
+          <a:lstStyle/>
+          <a:p>
+            <a:r>
+              <a:rPr lang="en-US" sz="800" smtClean="0"/>
+              <a:t>4</a:t>
+            </a:r>
+            <a:endParaRPr lang="en-US" sz="800"/>
+          </a:p>
+        </p:txBody>
+      </p:sp>
+      <p:sp>
+        <p:nvSpPr>
+          <p:cNvPr id="298" name="TextBox 297"/>
+          <p:cNvSpPr txBox="1"/>
+          <p:nvPr/>
+        </p:nvSpPr>
+        <p:spPr>
+          <a:xfrm>
+            <a:off x="3357074" y="4102975"/>
+            <a:ext cx="143629" cy="123111"/>
+          </a:xfrm>
+          <a:prstGeom prst="rect">
+            <a:avLst/>
+          </a:prstGeom>
+          <a:ln/>
+        </p:spPr>
+        <p:style>
+          <a:lnRef idx="1">
+            <a:schemeClr val="accent6"/>
+          </a:lnRef>
+          <a:fillRef idx="3">
+            <a:schemeClr val="accent6"/>
+          </a:fillRef>
+          <a:effectRef idx="2">
+            <a:schemeClr val="accent6"/>
+          </a:effectRef>
+          <a:fontRef idx="minor">
+            <a:schemeClr val="lt1"/>
+          </a:fontRef>
+        </p:style>
+        <p:txBody>
+          <a:bodyPr wrap="none" lIns="45720" tIns="0" rIns="45720" bIns="0" rtlCol="0">
+            <a:spAutoFit/>
+          </a:bodyPr>
+          <a:lstStyle/>
+          <a:p>
+            <a:r>
+              <a:rPr lang="en-US" sz="800" smtClean="0"/>
+              <a:t>2</a:t>
+            </a:r>
+            <a:endParaRPr lang="en-US" sz="800"/>
+          </a:p>
+        </p:txBody>
+      </p:sp>
+      <p:sp>
+        <p:nvSpPr>
+          <p:cNvPr id="299" name="TextBox 298"/>
+          <p:cNvSpPr txBox="1"/>
+          <p:nvPr/>
+        </p:nvSpPr>
+        <p:spPr>
+          <a:xfrm>
+            <a:off x="2091466" y="5007176"/>
             <a:ext cx="246221" cy="123111"/>
           </a:xfrm>
           <a:prstGeom prst="rect">
@@ -10971,7 +11147,7 @@
           <a:p>
             <a:r>
               <a:rPr lang="en-US" sz="800" smtClean="0"/>
-              <a:t>254</a:t>
+              <a:t>174</a:t>
             </a:r>
             <a:endParaRPr lang="en-US" sz="800"/>
           </a:p>
@@ -10979,13 +11155,13 @@
       </p:sp>
       <p:sp>
         <p:nvSpPr>
-          <p:cNvPr id="296" name="TextBox 295"/>
+          <p:cNvPr id="300" name="TextBox 299"/>
           <p:cNvSpPr txBox="1"/>
           <p:nvPr/>
         </p:nvSpPr>
         <p:spPr>
           <a:xfrm>
-            <a:off x="2874218" y="4574805"/>
+            <a:off x="2503770" y="4631456"/>
             <a:ext cx="246221" cy="123111"/>
           </a:xfrm>
           <a:prstGeom prst="rect">
@@ -11015,7 +11191,7 @@
           <a:p>
             <a:r>
               <a:rPr lang="en-US" sz="800" smtClean="0"/>
-              <a:t>253</a:t>
+              <a:t>173</a:t>
             </a:r>
             <a:endParaRPr lang="en-US" sz="800"/>
           </a:p>
@@ -11023,13 +11199,13 @@
       </p:sp>
       <p:sp>
         <p:nvSpPr>
-          <p:cNvPr id="297" name="TextBox 296"/>
+          <p:cNvPr id="301" name="TextBox 300"/>
           <p:cNvSpPr txBox="1"/>
           <p:nvPr/>
         </p:nvSpPr>
         <p:spPr>
           <a:xfrm>
-            <a:off x="2836630" y="4322069"/>
+            <a:off x="2245238" y="4393762"/>
             <a:ext cx="246221" cy="123111"/>
           </a:xfrm>
           <a:prstGeom prst="rect">
@@ -11059,7 +11235,7 @@
           <a:p>
             <a:r>
               <a:rPr lang="en-US" sz="800" smtClean="0"/>
-              <a:t>252</a:t>
+              <a:t>172</a:t>
             </a:r>
             <a:endParaRPr lang="en-US" sz="800"/>
           </a:p>
@@ -11067,13 +11243,13 @@
       </p:sp>
       <p:sp>
         <p:nvSpPr>
-          <p:cNvPr id="298" name="TextBox 297"/>
+          <p:cNvPr id="302" name="TextBox 301"/>
           <p:cNvSpPr txBox="1"/>
           <p:nvPr/>
         </p:nvSpPr>
         <p:spPr>
           <a:xfrm>
-            <a:off x="2849070" y="4077575"/>
+            <a:off x="1814967" y="4432378"/>
             <a:ext cx="246221" cy="123111"/>
           </a:xfrm>
           <a:prstGeom prst="rect">
@@ -11103,7 +11279,7 @@
           <a:p>
             <a:r>
               <a:rPr lang="en-US" sz="800" smtClean="0"/>
-              <a:t>251</a:t>
+              <a:t>171</a:t>
             </a:r>
             <a:endParaRPr lang="en-US" sz="800"/>
           </a:p>
@@ -11111,13 +11287,13 @@
       </p:sp>
       <p:sp>
         <p:nvSpPr>
-          <p:cNvPr id="299" name="TextBox 298"/>
+          <p:cNvPr id="303" name="TextBox 302"/>
           <p:cNvSpPr txBox="1"/>
           <p:nvPr/>
         </p:nvSpPr>
         <p:spPr>
           <a:xfrm>
-            <a:off x="2126978" y="4953908"/>
+            <a:off x="3843930" y="2704147"/>
             <a:ext cx="246221" cy="123111"/>
           </a:xfrm>
           <a:prstGeom prst="rect">
@@ -11147,7 +11323,7 @@
           <a:p>
             <a:r>
               <a:rPr lang="en-US" sz="800" smtClean="0"/>
-              <a:t>174</a:t>
+              <a:t>156</a:t>
             </a:r>
             <a:endParaRPr lang="en-US" sz="800"/>
           </a:p>
@@ -11155,13 +11331,13 @@
       </p:sp>
       <p:sp>
         <p:nvSpPr>
-          <p:cNvPr id="300" name="TextBox 299"/>
+          <p:cNvPr id="304" name="TextBox 303"/>
           <p:cNvSpPr txBox="1"/>
           <p:nvPr/>
         </p:nvSpPr>
         <p:spPr>
           <a:xfrm>
-            <a:off x="2459380" y="4569310"/>
+            <a:off x="4382367" y="2699233"/>
             <a:ext cx="246221" cy="123111"/>
           </a:xfrm>
           <a:prstGeom prst="rect">
@@ -11191,182 +11367,6 @@
           <a:p>
             <a:r>
               <a:rPr lang="en-US" sz="800" smtClean="0"/>
-              <a:t>173</a:t>
-            </a:r>
-            <a:endParaRPr lang="en-US" sz="800"/>
-          </a:p>
-        </p:txBody>
-      </p:sp>
-      <p:sp>
-        <p:nvSpPr>
-          <p:cNvPr id="301" name="TextBox 300"/>
-          <p:cNvSpPr txBox="1"/>
-          <p:nvPr/>
-        </p:nvSpPr>
-        <p:spPr>
-          <a:xfrm>
-            <a:off x="2173679" y="4250644"/>
-            <a:ext cx="246221" cy="123111"/>
-          </a:xfrm>
-          <a:prstGeom prst="rect">
-            <a:avLst/>
-          </a:prstGeom>
-          <a:ln/>
-        </p:spPr>
-        <p:style>
-          <a:lnRef idx="1">
-            <a:schemeClr val="accent6"/>
-          </a:lnRef>
-          <a:fillRef idx="3">
-            <a:schemeClr val="accent6"/>
-          </a:fillRef>
-          <a:effectRef idx="2">
-            <a:schemeClr val="accent6"/>
-          </a:effectRef>
-          <a:fontRef idx="minor">
-            <a:schemeClr val="lt1"/>
-          </a:fontRef>
-        </p:style>
-        <p:txBody>
-          <a:bodyPr wrap="none" lIns="45720" tIns="0" rIns="45720" bIns="0" rtlCol="0">
-            <a:spAutoFit/>
-          </a:bodyPr>
-          <a:lstStyle/>
-          <a:p>
-            <a:r>
-              <a:rPr lang="en-US" sz="800" smtClean="0"/>
-              <a:t>172</a:t>
-            </a:r>
-            <a:endParaRPr lang="en-US" sz="800"/>
-          </a:p>
-        </p:txBody>
-      </p:sp>
-      <p:sp>
-        <p:nvSpPr>
-          <p:cNvPr id="302" name="TextBox 301"/>
-          <p:cNvSpPr txBox="1"/>
-          <p:nvPr/>
-        </p:nvSpPr>
-        <p:spPr>
-          <a:xfrm>
-            <a:off x="1846771" y="4368770"/>
-            <a:ext cx="246221" cy="123111"/>
-          </a:xfrm>
-          <a:prstGeom prst="rect">
-            <a:avLst/>
-          </a:prstGeom>
-          <a:ln/>
-        </p:spPr>
-        <p:style>
-          <a:lnRef idx="1">
-            <a:schemeClr val="accent6"/>
-          </a:lnRef>
-          <a:fillRef idx="3">
-            <a:schemeClr val="accent6"/>
-          </a:fillRef>
-          <a:effectRef idx="2">
-            <a:schemeClr val="accent6"/>
-          </a:effectRef>
-          <a:fontRef idx="minor">
-            <a:schemeClr val="lt1"/>
-          </a:fontRef>
-        </p:style>
-        <p:txBody>
-          <a:bodyPr wrap="none" lIns="45720" tIns="0" rIns="45720" bIns="0" rtlCol="0">
-            <a:spAutoFit/>
-          </a:bodyPr>
-          <a:lstStyle/>
-          <a:p>
-            <a:r>
-              <a:rPr lang="en-US" sz="800" smtClean="0"/>
-              <a:t>171</a:t>
-            </a:r>
-            <a:endParaRPr lang="en-US" sz="800"/>
-          </a:p>
-        </p:txBody>
-      </p:sp>
-      <p:sp>
-        <p:nvSpPr>
-          <p:cNvPr id="303" name="TextBox 302"/>
-          <p:cNvSpPr txBox="1"/>
-          <p:nvPr/>
-        </p:nvSpPr>
-        <p:spPr>
-          <a:xfrm>
-            <a:off x="3843930" y="2632588"/>
-            <a:ext cx="246221" cy="123111"/>
-          </a:xfrm>
-          <a:prstGeom prst="rect">
-            <a:avLst/>
-          </a:prstGeom>
-          <a:ln/>
-        </p:spPr>
-        <p:style>
-          <a:lnRef idx="1">
-            <a:schemeClr val="accent6"/>
-          </a:lnRef>
-          <a:fillRef idx="3">
-            <a:schemeClr val="accent6"/>
-          </a:fillRef>
-          <a:effectRef idx="2">
-            <a:schemeClr val="accent6"/>
-          </a:effectRef>
-          <a:fontRef idx="minor">
-            <a:schemeClr val="lt1"/>
-          </a:fontRef>
-        </p:style>
-        <p:txBody>
-          <a:bodyPr wrap="none" lIns="45720" tIns="0" rIns="45720" bIns="0" rtlCol="0">
-            <a:spAutoFit/>
-          </a:bodyPr>
-          <a:lstStyle/>
-          <a:p>
-            <a:r>
-              <a:rPr lang="en-US" sz="800" smtClean="0"/>
-              <a:t>156</a:t>
-            </a:r>
-            <a:endParaRPr lang="en-US" sz="800"/>
-          </a:p>
-        </p:txBody>
-      </p:sp>
-      <p:sp>
-        <p:nvSpPr>
-          <p:cNvPr id="304" name="TextBox 303"/>
-          <p:cNvSpPr txBox="1"/>
-          <p:nvPr/>
-        </p:nvSpPr>
-        <p:spPr>
-          <a:xfrm>
-            <a:off x="4382367" y="2643576"/>
-            <a:ext cx="246221" cy="123111"/>
-          </a:xfrm>
-          <a:prstGeom prst="rect">
-            <a:avLst/>
-          </a:prstGeom>
-          <a:ln/>
-        </p:spPr>
-        <p:style>
-          <a:lnRef idx="1">
-            <a:schemeClr val="accent6"/>
-          </a:lnRef>
-          <a:fillRef idx="3">
-            <a:schemeClr val="accent6"/>
-          </a:fillRef>
-          <a:effectRef idx="2">
-            <a:schemeClr val="accent6"/>
-          </a:effectRef>
-          <a:fontRef idx="minor">
-            <a:schemeClr val="lt1"/>
-          </a:fontRef>
-        </p:style>
-        <p:txBody>
-          <a:bodyPr wrap="none" lIns="45720" tIns="0" rIns="45720" bIns="0" rtlCol="0">
-            <a:spAutoFit/>
-          </a:bodyPr>
-          <a:lstStyle/>
-          <a:p>
-            <a:r>
-              <a:rPr lang="en-US" sz="800" smtClean="0"/>
               <a:t>157</a:t>
             </a:r>
             <a:endParaRPr lang="en-US" sz="800"/>
@@ -11381,7 +11381,7 @@
         </p:nvSpPr>
         <p:spPr>
           <a:xfrm>
-            <a:off x="5184527" y="2127117"/>
+            <a:off x="5184527" y="2206627"/>
             <a:ext cx="246221" cy="123111"/>
           </a:xfrm>
           <a:prstGeom prst="rect">
@@ -11469,7 +11469,7 @@
         </p:nvSpPr>
         <p:spPr>
           <a:xfrm>
-            <a:off x="4621367" y="1629887"/>
+            <a:off x="4597514" y="1717348"/>
             <a:ext cx="246221" cy="123111"/>
           </a:xfrm>
           <a:prstGeom prst="rect">
@@ -11557,7 +11557,7 @@
         </p:nvSpPr>
         <p:spPr>
           <a:xfrm>
-            <a:off x="3728551" y="2080416"/>
+            <a:off x="3728551" y="2159926"/>
             <a:ext cx="246221" cy="123111"/>
           </a:xfrm>
           <a:prstGeom prst="rect">
@@ -11601,7 +11601,7 @@
         </p:nvSpPr>
         <p:spPr>
           <a:xfrm>
-            <a:off x="6330078" y="3478702"/>
+            <a:off x="6276636" y="3518457"/>
             <a:ext cx="246221" cy="123111"/>
           </a:xfrm>
           <a:prstGeom prst="rect">
@@ -11645,7 +11645,7 @@
         </p:nvSpPr>
         <p:spPr>
           <a:xfrm>
-            <a:off x="6868515" y="4602276"/>
+            <a:off x="6910081" y="4602276"/>
             <a:ext cx="246221" cy="123111"/>
           </a:xfrm>
           <a:prstGeom prst="rect">
@@ -11689,7 +11689,7 @@
         </p:nvSpPr>
         <p:spPr>
           <a:xfrm>
-            <a:off x="6706434" y="4201196"/>
+            <a:off x="6722336" y="4344314"/>
             <a:ext cx="246221" cy="123111"/>
           </a:xfrm>
           <a:prstGeom prst="rect">
@@ -11733,7 +11733,7 @@
         </p:nvSpPr>
         <p:spPr>
           <a:xfrm>
-            <a:off x="6330078" y="4286357"/>
+            <a:off x="6306326" y="4286357"/>
             <a:ext cx="246221" cy="123111"/>
           </a:xfrm>
           <a:prstGeom prst="rect">
@@ -11777,7 +11777,183 @@
         </p:nvSpPr>
         <p:spPr>
           <a:xfrm>
-            <a:off x="5096619" y="4775345"/>
+            <a:off x="5089752" y="4788045"/>
+            <a:ext cx="143629" cy="123111"/>
+          </a:xfrm>
+          <a:prstGeom prst="rect">
+            <a:avLst/>
+          </a:prstGeom>
+          <a:ln/>
+        </p:spPr>
+        <p:style>
+          <a:lnRef idx="1">
+            <a:schemeClr val="accent6"/>
+          </a:lnRef>
+          <a:fillRef idx="3">
+            <a:schemeClr val="accent6"/>
+          </a:fillRef>
+          <a:effectRef idx="2">
+            <a:schemeClr val="accent6"/>
+          </a:effectRef>
+          <a:fontRef idx="minor">
+            <a:schemeClr val="lt1"/>
+          </a:fontRef>
+        </p:style>
+        <p:txBody>
+          <a:bodyPr wrap="none" lIns="45720" tIns="0" rIns="45720" bIns="0" rtlCol="0">
+            <a:spAutoFit/>
+          </a:bodyPr>
+          <a:lstStyle/>
+          <a:p>
+            <a:r>
+              <a:rPr lang="en-US" sz="800" smtClean="0"/>
+              <a:t>7</a:t>
+            </a:r>
+            <a:endParaRPr lang="en-US" sz="800"/>
+          </a:p>
+        </p:txBody>
+      </p:sp>
+      <p:sp>
+        <p:nvSpPr>
+          <p:cNvPr id="315" name="TextBox 314"/>
+          <p:cNvSpPr txBox="1"/>
+          <p:nvPr/>
+        </p:nvSpPr>
+        <p:spPr>
+          <a:xfrm>
+            <a:off x="5089752" y="4570166"/>
+            <a:ext cx="143629" cy="123111"/>
+          </a:xfrm>
+          <a:prstGeom prst="rect">
+            <a:avLst/>
+          </a:prstGeom>
+          <a:ln/>
+        </p:spPr>
+        <p:style>
+          <a:lnRef idx="1">
+            <a:schemeClr val="accent6"/>
+          </a:lnRef>
+          <a:fillRef idx="3">
+            <a:schemeClr val="accent6"/>
+          </a:fillRef>
+          <a:effectRef idx="2">
+            <a:schemeClr val="accent6"/>
+          </a:effectRef>
+          <a:fontRef idx="minor">
+            <a:schemeClr val="lt1"/>
+          </a:fontRef>
+        </p:style>
+        <p:txBody>
+          <a:bodyPr wrap="none" lIns="45720" tIns="0" rIns="45720" bIns="0" rtlCol="0">
+            <a:spAutoFit/>
+          </a:bodyPr>
+          <a:lstStyle/>
+          <a:p>
+            <a:r>
+              <a:rPr lang="en-US" sz="800" smtClean="0"/>
+              <a:t>5</a:t>
+            </a:r>
+            <a:endParaRPr lang="en-US" sz="800"/>
+          </a:p>
+        </p:txBody>
+      </p:sp>
+      <p:sp>
+        <p:nvSpPr>
+          <p:cNvPr id="316" name="TextBox 315"/>
+          <p:cNvSpPr txBox="1"/>
+          <p:nvPr/>
+        </p:nvSpPr>
+        <p:spPr>
+          <a:xfrm>
+            <a:off x="5089752" y="4356746"/>
+            <a:ext cx="143629" cy="123111"/>
+          </a:xfrm>
+          <a:prstGeom prst="rect">
+            <a:avLst/>
+          </a:prstGeom>
+          <a:ln/>
+        </p:spPr>
+        <p:style>
+          <a:lnRef idx="1">
+            <a:schemeClr val="accent6"/>
+          </a:lnRef>
+          <a:fillRef idx="3">
+            <a:schemeClr val="accent6"/>
+          </a:fillRef>
+          <a:effectRef idx="2">
+            <a:schemeClr val="accent6"/>
+          </a:effectRef>
+          <a:fontRef idx="minor">
+            <a:schemeClr val="lt1"/>
+          </a:fontRef>
+        </p:style>
+        <p:txBody>
+          <a:bodyPr wrap="none" lIns="45720" tIns="0" rIns="45720" bIns="0" rtlCol="0">
+            <a:spAutoFit/>
+          </a:bodyPr>
+          <a:lstStyle/>
+          <a:p>
+            <a:r>
+              <a:rPr lang="en-US" sz="800" smtClean="0"/>
+              <a:t>3</a:t>
+            </a:r>
+            <a:endParaRPr lang="en-US" sz="800"/>
+          </a:p>
+        </p:txBody>
+      </p:sp>
+      <p:sp>
+        <p:nvSpPr>
+          <p:cNvPr id="317" name="TextBox 316"/>
+          <p:cNvSpPr txBox="1"/>
+          <p:nvPr/>
+        </p:nvSpPr>
+        <p:spPr>
+          <a:xfrm>
+            <a:off x="5089752" y="4107254"/>
+            <a:ext cx="143629" cy="123111"/>
+          </a:xfrm>
+          <a:prstGeom prst="rect">
+            <a:avLst/>
+          </a:prstGeom>
+          <a:ln/>
+        </p:spPr>
+        <p:style>
+          <a:lnRef idx="1">
+            <a:schemeClr val="accent6"/>
+          </a:lnRef>
+          <a:fillRef idx="3">
+            <a:schemeClr val="accent6"/>
+          </a:fillRef>
+          <a:effectRef idx="2">
+            <a:schemeClr val="accent6"/>
+          </a:effectRef>
+          <a:fontRef idx="minor">
+            <a:schemeClr val="lt1"/>
+          </a:fontRef>
+        </p:style>
+        <p:txBody>
+          <a:bodyPr wrap="none" lIns="45720" tIns="0" rIns="45720" bIns="0" rtlCol="0">
+            <a:spAutoFit/>
+          </a:bodyPr>
+          <a:lstStyle/>
+          <a:p>
+            <a:r>
+              <a:rPr lang="en-US" sz="800" smtClean="0"/>
+              <a:t>1</a:t>
+            </a:r>
+            <a:endParaRPr lang="en-US" sz="800"/>
+          </a:p>
+        </p:txBody>
+      </p:sp>
+      <p:sp>
+        <p:nvSpPr>
+          <p:cNvPr id="318" name="TextBox 317"/>
+          <p:cNvSpPr txBox="1"/>
+          <p:nvPr/>
+        </p:nvSpPr>
+        <p:spPr>
+          <a:xfrm>
+            <a:off x="6989388" y="1186729"/>
             <a:ext cx="246221" cy="123111"/>
           </a:xfrm>
           <a:prstGeom prst="rect">
@@ -11807,182 +11983,6 @@
           <a:p>
             <a:r>
               <a:rPr lang="en-US" sz="800" smtClean="0"/>
-              <a:t>258</a:t>
-            </a:r>
-            <a:endParaRPr lang="en-US" sz="800"/>
-          </a:p>
-        </p:txBody>
-      </p:sp>
-      <p:sp>
-        <p:nvSpPr>
-          <p:cNvPr id="315" name="TextBox 314"/>
-          <p:cNvSpPr txBox="1"/>
-          <p:nvPr/>
-        </p:nvSpPr>
-        <p:spPr>
-          <a:xfrm>
-            <a:off x="5082884" y="4563816"/>
-            <a:ext cx="246221" cy="123111"/>
-          </a:xfrm>
-          <a:prstGeom prst="rect">
-            <a:avLst/>
-          </a:prstGeom>
-          <a:ln/>
-        </p:spPr>
-        <p:style>
-          <a:lnRef idx="1">
-            <a:schemeClr val="accent6"/>
-          </a:lnRef>
-          <a:fillRef idx="3">
-            <a:schemeClr val="accent6"/>
-          </a:fillRef>
-          <a:effectRef idx="2">
-            <a:schemeClr val="accent6"/>
-          </a:effectRef>
-          <a:fontRef idx="minor">
-            <a:schemeClr val="lt1"/>
-          </a:fontRef>
-        </p:style>
-        <p:txBody>
-          <a:bodyPr wrap="none" lIns="45720" tIns="0" rIns="45720" bIns="0" rtlCol="0">
-            <a:spAutoFit/>
-          </a:bodyPr>
-          <a:lstStyle/>
-          <a:p>
-            <a:r>
-              <a:rPr lang="en-US" sz="800" smtClean="0"/>
-              <a:t>257</a:t>
-            </a:r>
-            <a:endParaRPr lang="en-US" sz="800"/>
-          </a:p>
-        </p:txBody>
-      </p:sp>
-      <p:sp>
-        <p:nvSpPr>
-          <p:cNvPr id="316" name="TextBox 315"/>
-          <p:cNvSpPr txBox="1"/>
-          <p:nvPr/>
-        </p:nvSpPr>
-        <p:spPr>
-          <a:xfrm>
-            <a:off x="5085631" y="4344046"/>
-            <a:ext cx="246221" cy="123111"/>
-          </a:xfrm>
-          <a:prstGeom prst="rect">
-            <a:avLst/>
-          </a:prstGeom>
-          <a:ln/>
-        </p:spPr>
-        <p:style>
-          <a:lnRef idx="1">
-            <a:schemeClr val="accent6"/>
-          </a:lnRef>
-          <a:fillRef idx="3">
-            <a:schemeClr val="accent6"/>
-          </a:fillRef>
-          <a:effectRef idx="2">
-            <a:schemeClr val="accent6"/>
-          </a:effectRef>
-          <a:fontRef idx="minor">
-            <a:schemeClr val="lt1"/>
-          </a:fontRef>
-        </p:style>
-        <p:txBody>
-          <a:bodyPr wrap="none" lIns="45720" tIns="0" rIns="45720" bIns="0" rtlCol="0">
-            <a:spAutoFit/>
-          </a:bodyPr>
-          <a:lstStyle/>
-          <a:p>
-            <a:r>
-              <a:rPr lang="en-US" sz="800" smtClean="0"/>
-              <a:t>256</a:t>
-            </a:r>
-            <a:endParaRPr lang="en-US" sz="800"/>
-          </a:p>
-        </p:txBody>
-      </p:sp>
-      <p:sp>
-        <p:nvSpPr>
-          <p:cNvPr id="317" name="TextBox 316"/>
-          <p:cNvSpPr txBox="1"/>
-          <p:nvPr/>
-        </p:nvSpPr>
-        <p:spPr>
-          <a:xfrm>
-            <a:off x="5088378" y="4050104"/>
-            <a:ext cx="246221" cy="123111"/>
-          </a:xfrm>
-          <a:prstGeom prst="rect">
-            <a:avLst/>
-          </a:prstGeom>
-          <a:ln/>
-        </p:spPr>
-        <p:style>
-          <a:lnRef idx="1">
-            <a:schemeClr val="accent6"/>
-          </a:lnRef>
-          <a:fillRef idx="3">
-            <a:schemeClr val="accent6"/>
-          </a:fillRef>
-          <a:effectRef idx="2">
-            <a:schemeClr val="accent6"/>
-          </a:effectRef>
-          <a:fontRef idx="minor">
-            <a:schemeClr val="lt1"/>
-          </a:fontRef>
-        </p:style>
-        <p:txBody>
-          <a:bodyPr wrap="none" lIns="45720" tIns="0" rIns="45720" bIns="0" rtlCol="0">
-            <a:spAutoFit/>
-          </a:bodyPr>
-          <a:lstStyle/>
-          <a:p>
-            <a:r>
-              <a:rPr lang="en-US" sz="800" smtClean="0"/>
-              <a:t>255</a:t>
-            </a:r>
-            <a:endParaRPr lang="en-US" sz="800"/>
-          </a:p>
-        </p:txBody>
-      </p:sp>
-      <p:sp>
-        <p:nvSpPr>
-          <p:cNvPr id="318" name="TextBox 317"/>
-          <p:cNvSpPr txBox="1"/>
-          <p:nvPr/>
-        </p:nvSpPr>
-        <p:spPr>
-          <a:xfrm>
-            <a:off x="6989388" y="1162876"/>
-            <a:ext cx="246221" cy="123111"/>
-          </a:xfrm>
-          <a:prstGeom prst="rect">
-            <a:avLst/>
-          </a:prstGeom>
-          <a:ln/>
-        </p:spPr>
-        <p:style>
-          <a:lnRef idx="1">
-            <a:schemeClr val="accent6"/>
-          </a:lnRef>
-          <a:fillRef idx="3">
-            <a:schemeClr val="accent6"/>
-          </a:fillRef>
-          <a:effectRef idx="2">
-            <a:schemeClr val="accent6"/>
-          </a:effectRef>
-          <a:fontRef idx="minor">
-            <a:schemeClr val="lt1"/>
-          </a:fontRef>
-        </p:style>
-        <p:txBody>
-          <a:bodyPr wrap="none" lIns="45720" tIns="0" rIns="45720" bIns="0" rtlCol="0">
-            <a:spAutoFit/>
-          </a:bodyPr>
-          <a:lstStyle/>
-          <a:p>
-            <a:r>
-              <a:rPr lang="en-US" sz="800" smtClean="0"/>
               <a:t>217</a:t>
             </a:r>
             <a:endParaRPr lang="en-US" sz="800"/>
@@ -11997,7 +11997,7 @@
         </p:nvSpPr>
         <p:spPr>
           <a:xfrm>
-            <a:off x="7469737" y="6423619"/>
+            <a:off x="7443103" y="6459131"/>
             <a:ext cx="246221" cy="123111"/>
           </a:xfrm>
           <a:prstGeom prst="rect">
@@ -12085,7 +12085,7 @@
         </p:nvSpPr>
         <p:spPr>
           <a:xfrm>
-            <a:off x="6717423" y="5308287"/>
+            <a:off x="6757178" y="5363944"/>
             <a:ext cx="246221" cy="123111"/>
           </a:xfrm>
           <a:prstGeom prst="rect">
@@ -12129,7 +12129,7 @@
         </p:nvSpPr>
         <p:spPr>
           <a:xfrm>
-            <a:off x="8063514" y="5172703"/>
+            <a:off x="8028002" y="5199337"/>
             <a:ext cx="246221" cy="123111"/>
           </a:xfrm>
           <a:prstGeom prst="rect">
@@ -12173,7 +12173,7 @@
         </p:nvSpPr>
         <p:spPr>
           <a:xfrm>
-            <a:off x="7959123" y="4662713"/>
+            <a:off x="7951172" y="4702468"/>
             <a:ext cx="246221" cy="123111"/>
           </a:xfrm>
           <a:prstGeom prst="rect">
@@ -12217,7 +12217,7 @@
         </p:nvSpPr>
         <p:spPr>
           <a:xfrm>
-            <a:off x="8316249" y="4739632"/>
+            <a:off x="8387808" y="4739632"/>
             <a:ext cx="246221" cy="123111"/>
           </a:xfrm>
           <a:prstGeom prst="rect">
@@ -12261,7 +12261,7 @@
         </p:nvSpPr>
         <p:spPr>
           <a:xfrm>
-            <a:off x="8384927" y="4445690"/>
+            <a:off x="8504192" y="4541102"/>
             <a:ext cx="246221" cy="123111"/>
           </a:xfrm>
           <a:prstGeom prst="rect">
@@ -12305,7 +12305,7 @@
         </p:nvSpPr>
         <p:spPr>
           <a:xfrm>
-            <a:off x="8074502" y="3888023"/>
+            <a:off x="8026796" y="3927778"/>
             <a:ext cx="246221" cy="123111"/>
           </a:xfrm>
           <a:prstGeom prst="rect">
@@ -12349,7 +12349,7 @@
         </p:nvSpPr>
         <p:spPr>
           <a:xfrm>
-            <a:off x="7333708" y="3470461"/>
+            <a:off x="7286002" y="3502265"/>
             <a:ext cx="246221" cy="123111"/>
           </a:xfrm>
           <a:prstGeom prst="rect">
@@ -12393,7 +12393,7 @@
         </p:nvSpPr>
         <p:spPr>
           <a:xfrm>
-            <a:off x="7206411" y="3242449"/>
+            <a:off x="7158705" y="3290155"/>
             <a:ext cx="246221" cy="123111"/>
           </a:xfrm>
           <a:prstGeom prst="rect">
@@ -12437,7 +12437,7 @@
         </p:nvSpPr>
         <p:spPr>
           <a:xfrm>
-            <a:off x="7184434" y="2668300"/>
+            <a:off x="7216238" y="2739859"/>
             <a:ext cx="246221" cy="123111"/>
           </a:xfrm>
           <a:prstGeom prst="rect">
@@ -12481,7 +12481,7 @@
         </p:nvSpPr>
         <p:spPr>
           <a:xfrm>
-            <a:off x="6964664" y="2341392"/>
+            <a:off x="6996468" y="2357294"/>
             <a:ext cx="246221" cy="123111"/>
           </a:xfrm>
           <a:prstGeom prst="rect">
